--- a/Slides-RPR/2019-H1-DAA-L31-DynProg-Intro.pptx
+++ b/Slides-RPR/2019-H1-DAA-L31-DynProg-Intro.pptx
@@ -20658,30 +20658,19 @@
           <a:bodyPr/>
           <a:lstStyle/>
           <a:p>
-            <a:pPr/>
+            <a:pPr>
+              <a:spcBef>
+                <a:spcPts val="200"/>
+              </a:spcBef>
+            </a:pPr>
             <a:r>
               <a:t>Divide and conquer</a:t>
             </a:r>
           </a:p>
           <a:p>
             <a:pPr marL="0" indent="0">
-              <a:buSzTx/>
-              <a:buNone/>
-              <a:defRPr sz="3000">
-                <a:latin typeface="Courier New"/>
-                <a:ea typeface="Courier New"/>
-                <a:cs typeface="Courier New"/>
-                <a:sym typeface="Courier New"/>
-              </a:defRPr>
-            </a:pPr>
-            <a:r>
-              <a:t>pow(x,n)</a:t>
-            </a:r>
-          </a:p>
-          <a:p>
-            <a:pPr lvl="2" marL="0" indent="457200">
               <a:spcBef>
-                <a:spcPts val="700"/>
+                <a:spcPts val="200"/>
               </a:spcBef>
               <a:buSzTx/>
               <a:buNone/>
@@ -20693,13 +20682,13 @@
               </a:defRPr>
             </a:pPr>
             <a:r>
-              <a:t>if n==1</a:t>
-            </a:r>
-          </a:p>
-          <a:p>
-            <a:pPr lvl="4" marL="0" indent="914400">
+              <a:t>pow(x,n)</a:t>
+            </a:r>
+          </a:p>
+          <a:p>
+            <a:pPr lvl="2" marL="0" indent="457200">
               <a:spcBef>
-                <a:spcPts val="700"/>
+                <a:spcPts val="200"/>
               </a:spcBef>
               <a:buSzTx/>
               <a:buNone/>
@@ -20711,13 +20700,13 @@
               </a:defRPr>
             </a:pPr>
             <a:r>
-              <a:t>return x</a:t>
-            </a:r>
-          </a:p>
-          <a:p>
-            <a:pPr lvl="2" marL="0" indent="457200">
+              <a:t>if n==0</a:t>
+            </a:r>
+          </a:p>
+          <a:p>
+            <a:pPr lvl="4" marL="0" indent="914400">
               <a:spcBef>
-                <a:spcPts val="700"/>
+                <a:spcPts val="200"/>
               </a:spcBef>
               <a:buSzTx/>
               <a:buNone/>
@@ -20729,13 +20718,67 @@
               </a:defRPr>
             </a:pPr>
             <a:r>
-              <a:t>if n is even</a:t>
+              <a:t>return 1</a:t>
+            </a:r>
+          </a:p>
+          <a:p>
+            <a:pPr lvl="2" marL="0" indent="457200">
+              <a:spcBef>
+                <a:spcPts val="200"/>
+              </a:spcBef>
+              <a:buSzTx/>
+              <a:buNone/>
+              <a:defRPr sz="3000">
+                <a:latin typeface="Courier New"/>
+                <a:ea typeface="Courier New"/>
+                <a:cs typeface="Courier New"/>
+                <a:sym typeface="Courier New"/>
+              </a:defRPr>
+            </a:pPr>
+            <a:r>
+              <a:t>if n==1</a:t>
             </a:r>
           </a:p>
           <a:p>
             <a:pPr lvl="4" marL="0" indent="914400">
               <a:spcBef>
-                <a:spcPts val="700"/>
+                <a:spcPts val="200"/>
+              </a:spcBef>
+              <a:buSzTx/>
+              <a:buNone/>
+              <a:defRPr sz="3000">
+                <a:latin typeface="Courier New"/>
+                <a:ea typeface="Courier New"/>
+                <a:cs typeface="Courier New"/>
+                <a:sym typeface="Courier New"/>
+              </a:defRPr>
+            </a:pPr>
+            <a:r>
+              <a:t>return x</a:t>
+            </a:r>
+          </a:p>
+          <a:p>
+            <a:pPr lvl="2" marL="0" indent="457200">
+              <a:spcBef>
+                <a:spcPts val="200"/>
+              </a:spcBef>
+              <a:buSzTx/>
+              <a:buNone/>
+              <a:defRPr sz="3000">
+                <a:latin typeface="Courier New"/>
+                <a:ea typeface="Courier New"/>
+                <a:cs typeface="Courier New"/>
+                <a:sym typeface="Courier New"/>
+              </a:defRPr>
+            </a:pPr>
+            <a:r>
+              <a:t>if n is even</a:t>
+            </a:r>
+          </a:p>
+          <a:p>
+            <a:pPr lvl="4" marL="0" indent="914400">
+              <a:spcBef>
+                <a:spcPts val="200"/>
               </a:spcBef>
               <a:buSzTx/>
               <a:buNone/>
@@ -20753,7 +20796,7 @@
           <a:p>
             <a:pPr lvl="2" marL="0" indent="457200">
               <a:spcBef>
-                <a:spcPts val="700"/>
+                <a:spcPts val="200"/>
               </a:spcBef>
               <a:buSzTx/>
               <a:buNone/>
@@ -20771,7 +20814,7 @@
           <a:p>
             <a:pPr lvl="4" marL="0" indent="914400">
               <a:spcBef>
-                <a:spcPts val="700"/>
+                <a:spcPts val="200"/>
               </a:spcBef>
               <a:buSzTx/>
               <a:buNone/>
@@ -20787,7 +20830,11 @@
             </a:r>
           </a:p>
           <a:p>
-            <a:pPr/>
+            <a:pPr>
+              <a:spcBef>
+                <a:spcPts val="200"/>
+              </a:spcBef>
+            </a:pPr>
             <a:r>
               <a:t>Time Complexity</a:t>
             </a:r>
@@ -20795,7 +20842,7 @@
           <a:p>
             <a:pPr lvl="2" marL="0" indent="457200">
               <a:spcBef>
-                <a:spcPts val="600"/>
+                <a:spcPts val="200"/>
               </a:spcBef>
               <a:buSzTx/>
               <a:buNone/>
@@ -20813,7 +20860,7 @@
           <a:p>
             <a:pPr lvl="7" marL="0" indent="1600200">
               <a:spcBef>
-                <a:spcPts val="600"/>
+                <a:spcPts val="200"/>
               </a:spcBef>
               <a:buSzTx/>
               <a:buNone/>
@@ -21487,6 +21534,102 @@
                                           <p:spTgt spid="66">
                                             <p:txEl>
                                               <p:pRg st="10" end="10"/>
+                                            </p:txEl>
+                                          </p:spTgt>
+                                        </p:tgtEl>
+                                        <p:attrNameLst>
+                                          <p:attrName>style.visibility</p:attrName>
+                                        </p:attrNameLst>
+                                      </p:cBhvr>
+                                      <p:to>
+                                        <p:strVal val="visible"/>
+                                      </p:to>
+                                    </p:set>
+                                  </p:childTnLst>
+                                </p:cTn>
+                              </p:par>
+                            </p:childTnLst>
+                          </p:cTn>
+                        </p:par>
+                      </p:childTnLst>
+                    </p:cTn>
+                  </p:par>
+                  <p:par>
+                    <p:cTn id="49" fill="hold">
+                      <p:stCondLst>
+                        <p:cond delay="indefinite"/>
+                      </p:stCondLst>
+                      <p:childTnLst>
+                        <p:par>
+                          <p:cTn id="50" fill="hold">
+                            <p:stCondLst>
+                              <p:cond delay="0"/>
+                            </p:stCondLst>
+                            <p:childTnLst>
+                              <p:par>
+                                <p:cTn id="51" presetClass="entr" nodeType="clickEffect" presetSubtype="0" presetID="1" grpId="1" fill="hold">
+                                  <p:stCondLst>
+                                    <p:cond delay="0"/>
+                                  </p:stCondLst>
+                                  <p:iterate type="el" backwards="0">
+                                    <p:tmAbs val="0"/>
+                                  </p:iterate>
+                                  <p:childTnLst>
+                                    <p:set>
+                                      <p:cBhvr>
+                                        <p:cTn id="52" fill="hold"/>
+                                        <p:tgtEl>
+                                          <p:spTgt spid="66">
+                                            <p:txEl>
+                                              <p:pRg st="11" end="11"/>
+                                            </p:txEl>
+                                          </p:spTgt>
+                                        </p:tgtEl>
+                                        <p:attrNameLst>
+                                          <p:attrName>style.visibility</p:attrName>
+                                        </p:attrNameLst>
+                                      </p:cBhvr>
+                                      <p:to>
+                                        <p:strVal val="visible"/>
+                                      </p:to>
+                                    </p:set>
+                                  </p:childTnLst>
+                                </p:cTn>
+                              </p:par>
+                            </p:childTnLst>
+                          </p:cTn>
+                        </p:par>
+                      </p:childTnLst>
+                    </p:cTn>
+                  </p:par>
+                  <p:par>
+                    <p:cTn id="53" fill="hold">
+                      <p:stCondLst>
+                        <p:cond delay="indefinite"/>
+                      </p:stCondLst>
+                      <p:childTnLst>
+                        <p:par>
+                          <p:cTn id="54" fill="hold">
+                            <p:stCondLst>
+                              <p:cond delay="0"/>
+                            </p:stCondLst>
+                            <p:childTnLst>
+                              <p:par>
+                                <p:cTn id="55" presetClass="entr" nodeType="clickEffect" presetSubtype="0" presetID="1" grpId="1" fill="hold">
+                                  <p:stCondLst>
+                                    <p:cond delay="0"/>
+                                  </p:stCondLst>
+                                  <p:iterate type="el" backwards="0">
+                                    <p:tmAbs val="0"/>
+                                  </p:iterate>
+                                  <p:childTnLst>
+                                    <p:set>
+                                      <p:cBhvr>
+                                        <p:cTn id="56" fill="hold"/>
+                                        <p:tgtEl>
+                                          <p:spTgt spid="66">
+                                            <p:txEl>
+                                              <p:pRg st="12" end="12"/>
                                             </p:txEl>
                                           </p:spTgt>
                                         </p:tgtEl>
@@ -24169,7 +24312,7 @@
           <a:p>
             <a:pPr/>
             <a:r>
-              <a:t>note: we get only </a:t>
+              <a:t>Note: we get only </a:t>
             </a:r>
             <a:r>
               <a:rPr>
